--- a/project_1/Project_1_presentation_joint.pptx
+++ b/project_1/Project_1_presentation_joint.pptx
@@ -1329,7 +1329,8 @@
               <a:buNone/>
             </a:pPr>
             <a:r>
-              <a:t/>
+              <a:rPr lang="en-US"/>
+              <a:t>Using heatmap to look at Correlation between some data</a:t>
             </a:r>
             <a:endParaRPr/>
           </a:p>
@@ -1428,7 +1429,8 @@
               <a:buNone/>
             </a:pPr>
             <a:r>
-              <a:t/>
+              <a:rPr lang="en-US"/>
+              <a:t>participation SAT lower than in ACT accross all the states. IQR more towards the left for SAT, IQR more toward the right for ACT. The histogram shows in more detail that the peak for both 2017 and 2018, SAT peak is at 0 to 10%. Whereas ACT is at the 90 to 100.</a:t>
             </a:r>
             <a:endParaRPr/>
           </a:p>
@@ -17366,14 +17368,14 @@
               <a:buNone/>
             </a:pPr>
             <a:r>
-              <a:rPr lang="en-US" sz="1610">
+              <a:rPr b="1" lang="en-US" sz="2110">
                 <a:solidFill>
                   <a:srgbClr val="5792BA"/>
                 </a:solidFill>
               </a:rPr>
               <a:t>2017 &amp; 2018</a:t>
             </a:r>
-            <a:endParaRPr/>
+            <a:endParaRPr b="1" sz="2800"/>
           </a:p>
           <a:p>
             <a:pPr indent="0" lvl="0" marL="0" rtl="0" algn="l">
@@ -17390,14 +17392,14 @@
               <a:buNone/>
             </a:pPr>
             <a:r>
-              <a:rPr lang="en-US" sz="1610">
+              <a:rPr b="1" lang="en-US" sz="2110">
                 <a:solidFill>
                   <a:srgbClr val="5792BA"/>
                 </a:solidFill>
               </a:rPr>
               <a:t>SAT &amp; ACT Data Analysis</a:t>
             </a:r>
-            <a:endParaRPr/>
+            <a:endParaRPr b="1" sz="2800"/>
           </a:p>
           <a:p>
             <a:pPr indent="0" lvl="0" marL="0" rtl="0" algn="l">
@@ -18159,7 +18161,7 @@
             </a:pPr>
             <a:r>
               <a:rPr lang="en-US"/>
-              <a:t>Use a combination of analysis into the provided data and outside research to give recommendations on:</a:t>
+              <a:t>Use a combination of analysis techniques into the provided data and outside research to give recommendations on:</a:t>
             </a:r>
             <a:endParaRPr/>
           </a:p>
@@ -18226,7 +18228,7 @@
                   <a:srgbClr val="FFC000"/>
                 </a:solidFill>
               </a:rPr>
-              <a:t>participation rate in a state of my choice.”</a:t>
+              <a:t>participation rate in a state of our choice.”</a:t>
             </a:r>
             <a:endParaRPr b="1" sz="2600">
               <a:solidFill>
@@ -18591,7 +18593,7 @@
             </a:pPr>
             <a:r>
               <a:rPr lang="en-US"/>
-              <a:t>Exploratory Data Analysis</a:t>
+              <a:t>Key findings</a:t>
             </a:r>
             <a:endParaRPr/>
           </a:p>
@@ -18800,7 +18802,7 @@
             </a:pPr>
             <a:r>
               <a:rPr lang="en-US"/>
-              <a:t>Exploratory Data Analysis</a:t>
+              <a:t>Key findings</a:t>
             </a:r>
             <a:endParaRPr/>
           </a:p>
@@ -19156,8 +19158,8 @@
         </p:nvSpPr>
         <p:spPr>
           <a:xfrm rot="5400000">
-            <a:off x="6222553" y="1680433"/>
-            <a:ext cx="1074512" cy="877102"/>
+            <a:off x="6353700" y="1549176"/>
+            <a:ext cx="812100" cy="877200"/>
           </a:xfrm>
           <a:prstGeom prst="rect">
             <a:avLst/>
@@ -19211,8 +19213,8 @@
         </p:nvSpPr>
         <p:spPr>
           <a:xfrm rot="5400000">
-            <a:off x="8768380" y="4211020"/>
-            <a:ext cx="893480" cy="294640"/>
+            <a:off x="8909675" y="4092050"/>
+            <a:ext cx="603300" cy="242400"/>
           </a:xfrm>
           <a:prstGeom prst="rect">
             <a:avLst/>
@@ -19336,7 +19338,7 @@
             </a:pPr>
             <a:r>
               <a:rPr lang="en-US"/>
-              <a:t>Exploratory Data Analysis</a:t>
+              <a:t>Key findings</a:t>
             </a:r>
             <a:endParaRPr/>
           </a:p>
@@ -19574,7 +19576,7 @@
             </a:pPr>
             <a:r>
               <a:rPr lang="en-US"/>
-              <a:t>Descriptive and inferential statistics</a:t>
+              <a:t>Key findings</a:t>
             </a:r>
             <a:endParaRPr/>
           </a:p>
@@ -19888,7 +19890,7 @@
             </a:pPr>
             <a:r>
               <a:rPr lang="en-US"/>
-              <a:t>Descriptive and inferential statistics</a:t>
+              <a:t>Key findings</a:t>
             </a:r>
             <a:endParaRPr/>
           </a:p>
@@ -19904,8 +19906,8 @@
         </p:nvSpPr>
         <p:spPr>
           <a:xfrm>
-            <a:off x="407768" y="1260628"/>
-            <a:ext cx="11364022" cy="1535837"/>
+            <a:off x="407768" y="1114153"/>
+            <a:ext cx="11364000" cy="1535700"/>
           </a:xfrm>
           <a:prstGeom prst="rect">
             <a:avLst/>
@@ -20001,7 +20003,43 @@
               <a:rPr lang="en-US" sz="1610"/>
               <a:t>who had significant increase in 2018 SAT participation rate as compared to 2017.</a:t>
             </a:r>
-            <a:endParaRPr/>
+            <a:endParaRPr sz="1610"/>
+          </a:p>
+          <a:p>
+            <a:pPr indent="-306000" lvl="0" marL="342900" rtl="0" algn="l">
+              <a:lnSpc>
+                <a:spcPct val="90000"/>
+              </a:lnSpc>
+              <a:spcBef>
+                <a:spcPts val="922"/>
+              </a:spcBef>
+              <a:spcAft>
+                <a:spcPts val="0"/>
+              </a:spcAft>
+              <a:buSzPts val="1127"/>
+              <a:buChar char="◈"/>
+            </a:pPr>
+            <a:r>
+              <a:rPr lang="en-US" sz="1610">
+                <a:solidFill>
+                  <a:srgbClr val="FFC000"/>
+                </a:solidFill>
+              </a:rPr>
+              <a:t>Tennessee</a:t>
+            </a:r>
+            <a:r>
+              <a:rPr lang="en-US" sz="1610">
+                <a:solidFill>
+                  <a:srgbClr val="FFC000"/>
+                </a:solidFill>
+              </a:rPr>
+              <a:t> </a:t>
+            </a:r>
+            <a:r>
+              <a:rPr lang="en-US" sz="1610"/>
+              <a:t>had perpetual low SAT Participation Rate but highest ACT PArticipation Rate</a:t>
+            </a:r>
+            <a:endParaRPr sz="1610"/>
           </a:p>
         </p:txBody>
       </p:sp>
@@ -20473,7 +20511,7 @@
             </a:pPr>
             <a:r>
               <a:rPr lang="en-US"/>
-              <a:t>Descriptive and inferential statistics</a:t>
+              <a:t>Key findings</a:t>
             </a:r>
             <a:endParaRPr/>
           </a:p>
@@ -20701,7 +20739,11 @@
             </a:pPr>
             <a:r>
               <a:rPr lang="en-US" sz="1785"/>
-              <a:t>SAT/ACT both not mandatory, Not paid by the state</a:t>
+              <a:t>State required either tests </a:t>
+            </a:r>
+            <a:r>
+              <a:rPr lang="en-US" sz="1785"/>
+              <a:t>SAT/ACT, Not paid by the state</a:t>
             </a:r>
             <a:endParaRPr/>
           </a:p>
